--- a/3.BasicInfo/BasicInfo.pptx
+++ b/3.BasicInfo/BasicInfo.pptx
@@ -2850,7 +2850,7 @@
                 <a:cs typeface="Calibri"/>
                 <a:sym typeface="Calibri"/>
               </a:rPr>
-              <a:t>Переходим в код посмтреть </a:t>
+              <a:t>Переходим в код посмотреть </a:t>
             </a:r>
             <a:r>
               <a:rPr lang="en-US" sz="1200" b="0" i="0" u="none" strike="noStrike" cap="none" dirty="0" err="1">
@@ -3298,7 +3298,7 @@
                 <a:cs typeface="Calibri"/>
                 <a:sym typeface="Calibri"/>
               </a:rPr>
-              <a:t> и рассматрваем регистрацию типов</a:t>
+              <a:t> и рассматриваем регистрацию типов</a:t>
             </a:r>
             <a:endParaRPr sz="1200" b="0" i="0" u="none" strike="noStrike" cap="none" dirty="0">
               <a:solidFill>
@@ -22221,7 +22221,7 @@
                 <a:cs typeface="Roboto"/>
                 <a:sym typeface="Roboto"/>
               </a:rPr>
-              <a:t>Инверсия упраления(</a:t>
+              <a:t>Инверсия управления(</a:t>
             </a:r>
             <a:r>
               <a:rPr lang="en-US" dirty="0" err="1">
@@ -22989,6 +22989,9 @@
             </a:pPr>
             <a:r>
               <a:rPr lang="en-US" sz="2000" b="0" i="0" u="none" strike="noStrike" cap="none" dirty="0">
+                <a:solidFill>
+                  <a:schemeClr val="tx1"/>
+                </a:solidFill>
                 <a:latin typeface="Calibri"/>
                 <a:ea typeface="Calibri"/>
                 <a:cs typeface="Calibri"/>
@@ -22999,7 +23002,7 @@
             <a:r>
               <a:rPr lang="en-US" sz="2000" dirty="0">
                 <a:solidFill>
-                  <a:srgbClr val="262626"/>
+                  <a:schemeClr val="tx1"/>
                 </a:solidFill>
                 <a:latin typeface="Roboto"/>
                 <a:ea typeface="Roboto"/>
@@ -23011,7 +23014,7 @@
             <a:r>
               <a:rPr lang="ru-RU" sz="2000" dirty="0">
                 <a:solidFill>
-                  <a:srgbClr val="262626"/>
+                  <a:schemeClr val="tx1"/>
                 </a:solidFill>
                 <a:latin typeface="Roboto"/>
                 <a:ea typeface="Roboto"/>
@@ -23023,7 +23026,7 @@
             <a:r>
               <a:rPr lang="uk-UA" sz="2000" dirty="0">
                 <a:solidFill>
-                  <a:srgbClr val="262626"/>
+                  <a:schemeClr val="tx1"/>
                 </a:solidFill>
                 <a:latin typeface="Roboto"/>
                 <a:ea typeface="Roboto"/>
@@ -23035,7 +23038,7 @@
             <a:r>
               <a:rPr lang="ru-RU" sz="2000" dirty="0">
                 <a:solidFill>
-                  <a:srgbClr val="262626"/>
+                  <a:schemeClr val="tx1"/>
                 </a:solidFill>
                 <a:latin typeface="Roboto"/>
                 <a:ea typeface="Roboto"/>
@@ -23046,7 +23049,7 @@
             </a:r>
             <a:endParaRPr lang="en-US" sz="2000" dirty="0">
               <a:solidFill>
-                <a:srgbClr val="262626"/>
+                <a:schemeClr val="tx1"/>
               </a:solidFill>
               <a:latin typeface="Roboto"/>
               <a:ea typeface="Roboto"/>
@@ -23065,7 +23068,7 @@
             </a:pPr>
             <a:endParaRPr lang="en-US" sz="2000" dirty="0">
               <a:solidFill>
-                <a:srgbClr val="262626"/>
+                <a:schemeClr val="tx1"/>
               </a:solidFill>
               <a:latin typeface="Roboto"/>
               <a:ea typeface="Roboto"/>
@@ -23085,7 +23088,7 @@
             <a:r>
               <a:rPr lang="ru-RU" sz="2000" dirty="0">
                 <a:solidFill>
-                  <a:srgbClr val="262626"/>
+                  <a:schemeClr val="tx1"/>
                 </a:solidFill>
                 <a:latin typeface="Roboto"/>
                 <a:ea typeface="Roboto"/>
@@ -23097,7 +23100,7 @@
             <a:r>
               <a:rPr lang="en-US" sz="2000" dirty="0">
                 <a:solidFill>
-                  <a:srgbClr val="262626"/>
+                  <a:schemeClr val="tx1"/>
                 </a:solidFill>
                 <a:latin typeface="Roboto"/>
                 <a:ea typeface="Roboto"/>
@@ -23109,7 +23112,7 @@
             <a:r>
               <a:rPr lang="ru-RU" sz="2000" dirty="0">
                 <a:solidFill>
-                  <a:srgbClr val="262626"/>
+                  <a:schemeClr val="tx1"/>
                 </a:solidFill>
                 <a:latin typeface="Roboto"/>
                 <a:ea typeface="Roboto"/>
@@ -23120,7 +23123,7 @@
             </a:r>
             <a:endParaRPr lang="en-US" sz="2000" dirty="0">
               <a:solidFill>
-                <a:srgbClr val="262626"/>
+                <a:schemeClr val="tx1"/>
               </a:solidFill>
               <a:latin typeface="Roboto"/>
               <a:ea typeface="Roboto"/>
@@ -23140,7 +23143,7 @@
             <a:r>
               <a:rPr lang="en-US" sz="2000" dirty="0">
                 <a:solidFill>
-                  <a:srgbClr val="262626"/>
+                  <a:schemeClr val="tx1"/>
                 </a:solidFill>
                 <a:latin typeface="Roboto"/>
                 <a:ea typeface="Roboto"/>
@@ -23162,7 +23165,7 @@
             <a:r>
               <a:rPr lang="en-US" sz="2000" dirty="0" err="1">
                 <a:solidFill>
-                  <a:srgbClr val="262626"/>
+                  <a:schemeClr val="tx1"/>
                 </a:solidFill>
                 <a:latin typeface="Roboto"/>
                 <a:ea typeface="Roboto"/>
@@ -23173,7 +23176,7 @@
             </a:r>
             <a:endParaRPr lang="en-US" sz="2000" dirty="0">
               <a:solidFill>
-                <a:srgbClr val="262626"/>
+                <a:schemeClr val="tx1"/>
               </a:solidFill>
               <a:latin typeface="Roboto"/>
               <a:ea typeface="Roboto"/>
@@ -23193,7 +23196,7 @@
             <a:r>
               <a:rPr lang="en-US" sz="2000" dirty="0" err="1">
                 <a:solidFill>
-                  <a:srgbClr val="262626"/>
+                  <a:schemeClr val="tx1"/>
                 </a:solidFill>
                 <a:latin typeface="Roboto"/>
                 <a:ea typeface="Roboto"/>
@@ -23204,7 +23207,7 @@
             </a:r>
             <a:endParaRPr lang="en-US" sz="2000" dirty="0">
               <a:solidFill>
-                <a:srgbClr val="262626"/>
+                <a:schemeClr val="tx1"/>
               </a:solidFill>
               <a:latin typeface="Roboto"/>
               <a:ea typeface="Roboto"/>
@@ -23542,6 +23545,9 @@
             </a:pPr>
             <a:r>
               <a:rPr lang="en-US" sz="2000" b="0" i="0" u="none" strike="noStrike" cap="none" dirty="0">
+                <a:solidFill>
+                  <a:schemeClr val="tx1"/>
+                </a:solidFill>
                 <a:latin typeface="Calibri"/>
                 <a:ea typeface="Calibri"/>
                 <a:cs typeface="Calibri"/>
@@ -23552,7 +23558,7 @@
             <a:r>
               <a:rPr lang="ru-RU" sz="2000" dirty="0">
                 <a:solidFill>
-                  <a:srgbClr val="262626"/>
+                  <a:schemeClr val="tx1"/>
                 </a:solidFill>
                 <a:latin typeface="Roboto"/>
                 <a:ea typeface="Roboto"/>
@@ -23573,7 +23579,7 @@
             </a:pPr>
             <a:endParaRPr lang="ru-RU" sz="2000" dirty="0">
               <a:solidFill>
-                <a:srgbClr val="262626"/>
+                <a:schemeClr val="tx1"/>
               </a:solidFill>
               <a:latin typeface="Roboto"/>
               <a:ea typeface="Roboto"/>
@@ -23593,48 +23599,15 @@
             <a:r>
               <a:rPr lang="ru-RU" sz="2000" dirty="0">
                 <a:solidFill>
-                  <a:srgbClr val="262626"/>
+                  <a:schemeClr val="tx1"/>
                 </a:solidFill>
                 <a:latin typeface="Roboto"/>
                 <a:ea typeface="Roboto"/>
                 <a:cs typeface="Roboto"/>
                 <a:sym typeface="Roboto"/>
               </a:rPr>
-              <a:t> Регистрировать типы можно в методе ConfigureService класса Startup.</a:t>
+              <a:t> Регистрировать типы можно в методе ConfigureService класса Startup. После чего они будут доступны во всем приложении.</a:t>
             </a:r>
-            <a:r>
-              <a:rPr lang="ru-RU" sz="2000" dirty="0">
-                <a:solidFill>
-                  <a:srgbClr val="A5A5A5"/>
-                </a:solidFill>
-                <a:latin typeface="Roboto"/>
-                <a:ea typeface="Roboto"/>
-                <a:cs typeface="Roboto"/>
-                <a:sym typeface="Roboto"/>
-              </a:rPr>
-              <a:t> </a:t>
-            </a:r>
-            <a:r>
-              <a:rPr lang="ru-RU" sz="2000" dirty="0">
-                <a:solidFill>
-                  <a:srgbClr val="262626"/>
-                </a:solidFill>
-                <a:latin typeface="Roboto"/>
-                <a:ea typeface="Roboto"/>
-                <a:cs typeface="Roboto"/>
-                <a:sym typeface="Roboto"/>
-              </a:rPr>
-              <a:t>После чего они будут доступны во всем приложении.</a:t>
-            </a:r>
-            <a:endParaRPr lang="ru-RU" sz="2000" dirty="0">
-              <a:solidFill>
-                <a:srgbClr val="A5A5A5"/>
-              </a:solidFill>
-              <a:latin typeface="Roboto"/>
-              <a:ea typeface="Roboto"/>
-              <a:cs typeface="Roboto"/>
-              <a:sym typeface="Roboto"/>
-            </a:endParaRPr>
           </a:p>
           <a:p>
             <a:pPr indent="-12700">
@@ -23667,7 +23640,7 @@
             <a:r>
               <a:rPr lang="ru-RU" sz="2000" dirty="0">
                 <a:solidFill>
-                  <a:srgbClr val="262626"/>
+                  <a:schemeClr val="tx1"/>
                 </a:solidFill>
                 <a:latin typeface="Roboto"/>
                 <a:ea typeface="Roboto"/>
@@ -23688,12 +23661,18 @@
             </a:pPr>
             <a:r>
               <a:rPr lang="en-US" sz="2000" dirty="0" err="1">
+                <a:solidFill>
+                  <a:schemeClr val="tx1"/>
+                </a:solidFill>
                 <a:latin typeface="Roboto" panose="020B0604020202020204" charset="0"/>
                 <a:ea typeface="Roboto" panose="020B0604020202020204" charset="0"/>
               </a:rPr>
               <a:t>AddSingleton</a:t>
             </a:r>
             <a:endParaRPr lang="en-US" sz="2000" dirty="0">
+              <a:solidFill>
+                <a:schemeClr val="tx1"/>
+              </a:solidFill>
               <a:latin typeface="Roboto" panose="020B0604020202020204" charset="0"/>
               <a:ea typeface="Roboto" panose="020B0604020202020204" charset="0"/>
             </a:endParaRPr>
@@ -23709,12 +23688,18 @@
             </a:pPr>
             <a:r>
               <a:rPr lang="en-US" sz="2000" dirty="0" err="1">
+                <a:solidFill>
+                  <a:schemeClr val="tx1"/>
+                </a:solidFill>
                 <a:latin typeface="Roboto" panose="020B0604020202020204" charset="0"/>
                 <a:ea typeface="Roboto" panose="020B0604020202020204" charset="0"/>
               </a:rPr>
-              <a:t>AddTrabsient</a:t>
+              <a:t>AddTransient</a:t>
             </a:r>
             <a:endParaRPr lang="en-US" sz="2000" dirty="0">
+              <a:solidFill>
+                <a:schemeClr val="tx1"/>
+              </a:solidFill>
               <a:latin typeface="Roboto" panose="020B0604020202020204" charset="0"/>
               <a:ea typeface="Roboto" panose="020B0604020202020204" charset="0"/>
             </a:endParaRPr>
@@ -23730,6 +23715,9 @@
             </a:pPr>
             <a:r>
               <a:rPr lang="en-US" sz="2000" dirty="0" err="1">
+                <a:solidFill>
+                  <a:schemeClr val="tx1"/>
+                </a:solidFill>
                 <a:latin typeface="Roboto" panose="020B0604020202020204" charset="0"/>
                 <a:ea typeface="Roboto" panose="020B0604020202020204" charset="0"/>
               </a:rPr>
@@ -23738,7 +23726,7 @@
             <a:br>
               <a:rPr lang="ru-RU" sz="2000" dirty="0">
                 <a:solidFill>
-                  <a:srgbClr val="262626"/>
+                  <a:schemeClr val="tx1"/>
                 </a:solidFill>
                 <a:latin typeface="Roboto"/>
                 <a:ea typeface="Roboto"/>
@@ -23748,7 +23736,7 @@
             </a:br>
             <a:endParaRPr lang="ru-RU" sz="2000" dirty="0">
               <a:solidFill>
-                <a:srgbClr val="A5A5A5"/>
+                <a:schemeClr val="tx1"/>
               </a:solidFill>
               <a:latin typeface="Roboto"/>
               <a:ea typeface="Roboto"/>

--- a/3.BasicInfo/BasicInfo.pptx
+++ b/3.BasicInfo/BasicInfo.pptx
@@ -23694,7 +23694,7 @@
                 <a:latin typeface="Roboto" panose="020B0604020202020204" charset="0"/>
                 <a:ea typeface="Roboto" panose="020B0604020202020204" charset="0"/>
               </a:rPr>
-              <a:t>AddTransient</a:t>
+              <a:t>AddScoped</a:t>
             </a:r>
             <a:endParaRPr lang="en-US" sz="2000" dirty="0">
               <a:solidFill>
@@ -23721,7 +23721,7 @@
                 <a:latin typeface="Roboto" panose="020B0604020202020204" charset="0"/>
                 <a:ea typeface="Roboto" panose="020B0604020202020204" charset="0"/>
               </a:rPr>
-              <a:t>AddScoped</a:t>
+              <a:t>AddTransient</a:t>
             </a:r>
             <a:br>
               <a:rPr lang="ru-RU" sz="2000" dirty="0">
